--- a/docs/Coding-Dojo-DDD-TDD.pptx
+++ b/docs/Coding-Dojo-DDD-TDD.pptx
@@ -6501,7 +6501,7 @@
               <a:rPr lang="pt-BR" dirty="0">
                 <a:cs typeface="Helvetica" panose="020B0604020202020204" pitchFamily="34" charset="0"/>
               </a:rPr>
-              <a:t> branch), the steps and the final solution are available at:</a:t>
+              <a:t> branch) and guide are available at:</a:t>
             </a:r>
           </a:p>
           <a:p>
